--- a/Drowsy Driving Detection and Alert System.pptx
+++ b/Drowsy Driving Detection and Alert System.pptx
@@ -5,7 +5,7 @@
     <p:sldMasterId id="2147484046" r:id="rId1"/>
   </p:sldMasterIdLst>
   <p:notesMasterIdLst>
-    <p:notesMasterId r:id="rId14"/>
+    <p:notesMasterId r:id="rId22"/>
   </p:notesMasterIdLst>
   <p:sldIdLst>
     <p:sldId id="324" r:id="rId2"/>
@@ -16,10 +16,18 @@
     <p:sldId id="319" r:id="rId7"/>
     <p:sldId id="326" r:id="rId8"/>
     <p:sldId id="325" r:id="rId9"/>
-    <p:sldId id="327" r:id="rId10"/>
-    <p:sldId id="328" r:id="rId11"/>
-    <p:sldId id="320" r:id="rId12"/>
-    <p:sldId id="317" r:id="rId13"/>
+    <p:sldId id="337" r:id="rId10"/>
+    <p:sldId id="327" r:id="rId11"/>
+    <p:sldId id="329" r:id="rId12"/>
+    <p:sldId id="330" r:id="rId13"/>
+    <p:sldId id="331" r:id="rId14"/>
+    <p:sldId id="332" r:id="rId15"/>
+    <p:sldId id="333" r:id="rId16"/>
+    <p:sldId id="334" r:id="rId17"/>
+    <p:sldId id="335" r:id="rId18"/>
+    <p:sldId id="336" r:id="rId19"/>
+    <p:sldId id="320" r:id="rId20"/>
+    <p:sldId id="317" r:id="rId21"/>
   </p:sldIdLst>
   <p:sldSz cx="12192000" cy="6858000"/>
   <p:notesSz cx="6858000" cy="9144000"/>
@@ -379,7 +387,7 @@
           <a:p>
             <a:fld id="{050D9FAC-E22C-490B-ACE1-04E9ECF095F2}" type="datetimeFigureOut">
               <a:rPr lang="en-CA" smtClean="0"/>
-              <a:t>2023-02-13</a:t>
+              <a:t>2023-04-13</a:t>
             </a:fld>
             <a:endParaRPr lang="en-CA"/>
           </a:p>
@@ -1258,7 +1266,7 @@
           <a:p>
             <a:fld id="{83C2551F-8E3D-4AE7-BBE2-3ACF472AFB16}" type="datetimeFigureOut">
               <a:rPr lang="en-CA" smtClean="0"/>
-              <a:t>2023-02-13</a:t>
+              <a:t>2023-04-13</a:t>
             </a:fld>
             <a:endParaRPr lang="en-CA"/>
           </a:p>
@@ -1437,7 +1445,7 @@
           <a:p>
             <a:fld id="{83C2551F-8E3D-4AE7-BBE2-3ACF472AFB16}" type="datetimeFigureOut">
               <a:rPr lang="en-CA" smtClean="0"/>
-              <a:t>2023-02-13</a:t>
+              <a:t>2023-04-13</a:t>
             </a:fld>
             <a:endParaRPr lang="en-CA"/>
           </a:p>
@@ -1617,7 +1625,7 @@
           <a:p>
             <a:fld id="{83C2551F-8E3D-4AE7-BBE2-3ACF472AFB16}" type="datetimeFigureOut">
               <a:rPr lang="en-CA" smtClean="0"/>
-              <a:t>2023-02-13</a:t>
+              <a:t>2023-04-13</a:t>
             </a:fld>
             <a:endParaRPr lang="en-CA"/>
           </a:p>
@@ -2480,7 +2488,7 @@
           <a:p>
             <a:fld id="{83C2551F-8E3D-4AE7-BBE2-3ACF472AFB16}" type="datetimeFigureOut">
               <a:rPr lang="en-CA" smtClean="0"/>
-              <a:t>2023-02-13</a:t>
+              <a:t>2023-04-13</a:t>
             </a:fld>
             <a:endParaRPr lang="en-CA"/>
           </a:p>
@@ -2793,7 +2801,7 @@
           <a:p>
             <a:fld id="{83C2551F-8E3D-4AE7-BBE2-3ACF472AFB16}" type="datetimeFigureOut">
               <a:rPr lang="en-CA" smtClean="0"/>
-              <a:t>2023-02-13</a:t>
+              <a:t>2023-04-13</a:t>
             </a:fld>
             <a:endParaRPr lang="en-CA"/>
           </a:p>
@@ -3179,7 +3187,7 @@
           <a:p>
             <a:fld id="{83C2551F-8E3D-4AE7-BBE2-3ACF472AFB16}" type="datetimeFigureOut">
               <a:rPr lang="en-CA" smtClean="0"/>
-              <a:t>2023-02-13</a:t>
+              <a:t>2023-04-13</a:t>
             </a:fld>
             <a:endParaRPr lang="en-CA"/>
           </a:p>
@@ -3613,7 +3621,7 @@
           <a:p>
             <a:fld id="{83C2551F-8E3D-4AE7-BBE2-3ACF472AFB16}" type="datetimeFigureOut">
               <a:rPr lang="en-CA" smtClean="0"/>
-              <a:t>2023-02-13</a:t>
+              <a:t>2023-04-13</a:t>
             </a:fld>
             <a:endParaRPr lang="en-CA"/>
           </a:p>
@@ -3731,7 +3739,7 @@
           <a:p>
             <a:fld id="{83C2551F-8E3D-4AE7-BBE2-3ACF472AFB16}" type="datetimeFigureOut">
               <a:rPr lang="en-CA" smtClean="0"/>
-              <a:t>2023-02-13</a:t>
+              <a:t>2023-04-13</a:t>
             </a:fld>
             <a:endParaRPr lang="en-CA"/>
           </a:p>
@@ -3826,7 +3834,7 @@
           <a:p>
             <a:fld id="{83C2551F-8E3D-4AE7-BBE2-3ACF472AFB16}" type="datetimeFigureOut">
               <a:rPr lang="en-CA" smtClean="0"/>
-              <a:t>2023-02-13</a:t>
+              <a:t>2023-04-13</a:t>
             </a:fld>
             <a:endParaRPr lang="en-CA"/>
           </a:p>
@@ -4176,7 +4184,7 @@
           <a:p>
             <a:fld id="{83C2551F-8E3D-4AE7-BBE2-3ACF472AFB16}" type="datetimeFigureOut">
               <a:rPr lang="en-CA" smtClean="0"/>
-              <a:t>2023-02-13</a:t>
+              <a:t>2023-04-13</a:t>
             </a:fld>
             <a:endParaRPr lang="en-CA"/>
           </a:p>
@@ -4601,7 +4609,7 @@
           <a:p>
             <a:fld id="{83C2551F-8E3D-4AE7-BBE2-3ACF472AFB16}" type="datetimeFigureOut">
               <a:rPr lang="en-CA" smtClean="0"/>
-              <a:t>2023-02-13</a:t>
+              <a:t>2023-04-13</a:t>
             </a:fld>
             <a:endParaRPr lang="en-CA"/>
           </a:p>
@@ -4882,7 +4890,7 @@
           <a:p>
             <a:fld id="{83C2551F-8E3D-4AE7-BBE2-3ACF472AFB16}" type="datetimeFigureOut">
               <a:rPr lang="en-CA" smtClean="0"/>
-              <a:t>2023-02-13</a:t>
+              <a:t>2023-04-13</a:t>
             </a:fld>
             <a:endParaRPr lang="en-CA"/>
           </a:p>
@@ -5542,12 +5550,101 @@
           <a:chExt cx="0" cy="0"/>
         </a:xfrm>
       </p:grpSpPr>
+      <p:sp>
+        <p:nvSpPr>
+          <p:cNvPr id="2" name="Title 4">
+            <a:extLst>
+              <a:ext uri="{FF2B5EF4-FFF2-40B4-BE49-F238E27FC236}">
+                <a16:creationId xmlns:a16="http://schemas.microsoft.com/office/drawing/2014/main" id="{A2124D48-8F80-AF44-89BB-B1B112BF4985}"/>
+              </a:ext>
+            </a:extLst>
+          </p:cNvPr>
+          <p:cNvSpPr txBox="1">
+            <a:spLocks/>
+          </p:cNvSpPr>
+          <p:nvPr/>
+        </p:nvSpPr>
+        <p:spPr>
+          <a:xfrm>
+            <a:off x="4273806" y="2683030"/>
+            <a:ext cx="6721988" cy="963073"/>
+          </a:xfrm>
+          <a:prstGeom prst="rect">
+            <a:avLst/>
+          </a:prstGeom>
+        </p:spPr>
+        <p:txBody>
+          <a:bodyPr/>
+          <a:lstStyle>
+            <a:lvl1pPr algn="l" defTabSz="914400" rtl="0" eaLnBrk="1" latinLnBrk="0" hangingPunct="1">
+              <a:lnSpc>
+                <a:spcPct val="90000"/>
+              </a:lnSpc>
+              <a:spcBef>
+                <a:spcPct val="0"/>
+              </a:spcBef>
+              <a:buNone/>
+              <a:defRPr sz="5400" kern="1200" cap="all" baseline="0">
+                <a:blipFill>
+                  <a:blip r:embed="rId2">
+                    <a:extLst>
+                      <a:ext uri="{28A0092B-C50C-407E-A947-70E740481C1C}">
+                        <a14:useLocalDpi xmlns:a14="http://schemas.microsoft.com/office/drawing/2010/main" val="0"/>
+                      </a:ext>
+                    </a:extLst>
+                  </a:blip>
+                  <a:tile tx="6350" ty="-127000" sx="65000" sy="64000" flip="none" algn="tl"/>
+                </a:blipFill>
+                <a:latin typeface="+mj-lt"/>
+                <a:ea typeface="+mj-ea"/>
+                <a:cs typeface="+mj-cs"/>
+              </a:defRPr>
+            </a:lvl1pPr>
+          </a:lstStyle>
+          <a:p>
+            <a:r>
+              <a:rPr lang="en-IN" dirty="0"/>
+              <a:t>WebApp Flow</a:t>
+            </a:r>
+          </a:p>
+        </p:txBody>
+      </p:sp>
+    </p:spTree>
+    <p:extLst>
+      <p:ext uri="{BB962C8B-B14F-4D97-AF65-F5344CB8AC3E}">
+        <p14:creationId xmlns:p14="http://schemas.microsoft.com/office/powerpoint/2010/main" val="244990920"/>
+      </p:ext>
+    </p:extLst>
+  </p:cSld>
+  <p:clrMapOvr>
+    <a:masterClrMapping/>
+  </p:clrMapOvr>
+</p:sld>
+</file>
+
+<file path=ppt/slides/slide11.xml><?xml version="1.0" encoding="utf-8"?>
+<p:sld xmlns:a="http://schemas.openxmlformats.org/drawingml/2006/main" xmlns:r="http://schemas.openxmlformats.org/officeDocument/2006/relationships" xmlns:p="http://schemas.openxmlformats.org/presentationml/2006/main">
+  <p:cSld>
+    <p:spTree>
+      <p:nvGrpSpPr>
+        <p:cNvPr id="1" name=""/>
+        <p:cNvGrpSpPr/>
+        <p:nvPr/>
+      </p:nvGrpSpPr>
+      <p:grpSpPr>
+        <a:xfrm>
+          <a:off x="0" y="0"/>
+          <a:ext cx="0" cy="0"/>
+          <a:chOff x="0" y="0"/>
+          <a:chExt cx="0" cy="0"/>
+        </a:xfrm>
+      </p:grpSpPr>
       <p:pic>
         <p:nvPicPr>
           <p:cNvPr id="3" name="Picture 2">
             <a:extLst>
               <a:ext uri="{FF2B5EF4-FFF2-40B4-BE49-F238E27FC236}">
-                <a16:creationId xmlns:a16="http://schemas.microsoft.com/office/drawing/2014/main" id="{3C195B9A-BB2C-0EBB-DC82-03C398E6658D}"/>
+                <a16:creationId xmlns:a16="http://schemas.microsoft.com/office/drawing/2014/main" id="{7A285C3F-E05A-6E86-77B3-5CEFEB990864}"/>
               </a:ext>
             </a:extLst>
           </p:cNvPr>
@@ -5557,27 +5654,183 @@
           <p:nvPr/>
         </p:nvPicPr>
         <p:blipFill>
-          <a:blip r:embed="rId2"/>
+          <a:blip r:embed="rId2">
+            <a:extLst>
+              <a:ext uri="{28A0092B-C50C-407E-A947-70E740481C1C}">
+                <a14:useLocalDpi xmlns:a14="http://schemas.microsoft.com/office/drawing/2010/main" val="0"/>
+              </a:ext>
+            </a:extLst>
+          </a:blip>
           <a:stretch>
             <a:fillRect/>
           </a:stretch>
         </p:blipFill>
         <p:spPr>
           <a:xfrm>
-            <a:off x="1035574" y="856648"/>
-            <a:ext cx="10641565" cy="5409398"/>
+            <a:off x="782320" y="1357677"/>
+            <a:ext cx="10576560" cy="4985423"/>
           </a:xfrm>
           <a:prstGeom prst="rect">
             <a:avLst/>
           </a:prstGeom>
         </p:spPr>
       </p:pic>
+      <p:sp>
+        <p:nvSpPr>
+          <p:cNvPr id="9" name="Title 4">
+            <a:extLst>
+              <a:ext uri="{FF2B5EF4-FFF2-40B4-BE49-F238E27FC236}">
+                <a16:creationId xmlns:a16="http://schemas.microsoft.com/office/drawing/2014/main" id="{32F4FC27-EC9E-4FA6-B296-7B59672FFA12}"/>
+              </a:ext>
+            </a:extLst>
+          </p:cNvPr>
+          <p:cNvSpPr txBox="1">
+            <a:spLocks/>
+          </p:cNvSpPr>
+          <p:nvPr/>
+        </p:nvSpPr>
+        <p:spPr>
+          <a:xfrm>
+            <a:off x="1823170" y="514900"/>
+            <a:ext cx="6721988" cy="963073"/>
+          </a:xfrm>
+          <a:prstGeom prst="rect">
+            <a:avLst/>
+          </a:prstGeom>
+        </p:spPr>
+        <p:txBody>
+          <a:bodyPr/>
+          <a:lstStyle>
+            <a:lvl1pPr algn="l" defTabSz="914400" rtl="0" eaLnBrk="1" latinLnBrk="0" hangingPunct="1">
+              <a:lnSpc>
+                <a:spcPct val="90000"/>
+              </a:lnSpc>
+              <a:spcBef>
+                <a:spcPct val="0"/>
+              </a:spcBef>
+              <a:buNone/>
+              <a:defRPr sz="5400" kern="1200" cap="all" baseline="0">
+                <a:blipFill>
+                  <a:blip r:embed="rId3">
+                    <a:extLst>
+                      <a:ext uri="{28A0092B-C50C-407E-A947-70E740481C1C}">
+                        <a14:useLocalDpi xmlns:a14="http://schemas.microsoft.com/office/drawing/2010/main" val="0"/>
+                      </a:ext>
+                    </a:extLst>
+                  </a:blip>
+                  <a:tile tx="6350" ty="-127000" sx="65000" sy="64000" flip="none" algn="tl"/>
+                </a:blipFill>
+                <a:latin typeface="+mj-lt"/>
+                <a:ea typeface="+mj-ea"/>
+                <a:cs typeface="+mj-cs"/>
+              </a:defRPr>
+            </a:lvl1pPr>
+          </a:lstStyle>
+          <a:p>
+            <a:pPr algn="ctr"/>
+            <a:r>
+              <a:rPr lang="en-IN" dirty="0"/>
+              <a:t>Registration Page</a:t>
+            </a:r>
+          </a:p>
+        </p:txBody>
+      </p:sp>
+    </p:spTree>
+    <p:extLst>
+      <p:ext uri="{BB962C8B-B14F-4D97-AF65-F5344CB8AC3E}">
+        <p14:creationId xmlns:p14="http://schemas.microsoft.com/office/powerpoint/2010/main" val="963431469"/>
+      </p:ext>
+    </p:extLst>
+  </p:cSld>
+  <p:clrMapOvr>
+    <a:masterClrMapping/>
+  </p:clrMapOvr>
+</p:sld>
+</file>
+
+<file path=ppt/slides/slide12.xml><?xml version="1.0" encoding="utf-8"?>
+<p:sld xmlns:a="http://schemas.openxmlformats.org/drawingml/2006/main" xmlns:r="http://schemas.openxmlformats.org/officeDocument/2006/relationships" xmlns:p="http://schemas.openxmlformats.org/presentationml/2006/main">
+  <p:cSld>
+    <p:spTree>
+      <p:nvGrpSpPr>
+        <p:cNvPr id="1" name=""/>
+        <p:cNvGrpSpPr/>
+        <p:nvPr/>
+      </p:nvGrpSpPr>
+      <p:grpSpPr>
+        <a:xfrm>
+          <a:off x="0" y="0"/>
+          <a:ext cx="0" cy="0"/>
+          <a:chOff x="0" y="0"/>
+          <a:chExt cx="0" cy="0"/>
+        </a:xfrm>
+      </p:grpSpPr>
+      <p:sp>
+        <p:nvSpPr>
+          <p:cNvPr id="3" name="Title 4">
+            <a:extLst>
+              <a:ext uri="{FF2B5EF4-FFF2-40B4-BE49-F238E27FC236}">
+                <a16:creationId xmlns:a16="http://schemas.microsoft.com/office/drawing/2014/main" id="{F391B3A3-89BC-292E-29B6-91AA3BADB72D}"/>
+              </a:ext>
+            </a:extLst>
+          </p:cNvPr>
+          <p:cNvSpPr txBox="1">
+            <a:spLocks/>
+          </p:cNvSpPr>
+          <p:nvPr/>
+        </p:nvSpPr>
+        <p:spPr>
+          <a:xfrm>
+            <a:off x="2424287" y="376218"/>
+            <a:ext cx="6721988" cy="963073"/>
+          </a:xfrm>
+          <a:prstGeom prst="rect">
+            <a:avLst/>
+          </a:prstGeom>
+        </p:spPr>
+        <p:txBody>
+          <a:bodyPr/>
+          <a:lstStyle>
+            <a:lvl1pPr algn="l" defTabSz="914400" rtl="0" eaLnBrk="1" latinLnBrk="0" hangingPunct="1">
+              <a:lnSpc>
+                <a:spcPct val="90000"/>
+              </a:lnSpc>
+              <a:spcBef>
+                <a:spcPct val="0"/>
+              </a:spcBef>
+              <a:buNone/>
+              <a:defRPr sz="5400" kern="1200" cap="all" baseline="0">
+                <a:blipFill>
+                  <a:blip r:embed="rId2">
+                    <a:extLst>
+                      <a:ext uri="{28A0092B-C50C-407E-A947-70E740481C1C}">
+                        <a14:useLocalDpi xmlns:a14="http://schemas.microsoft.com/office/drawing/2010/main" val="0"/>
+                      </a:ext>
+                    </a:extLst>
+                  </a:blip>
+                  <a:tile tx="6350" ty="-127000" sx="65000" sy="64000" flip="none" algn="tl"/>
+                </a:blipFill>
+                <a:latin typeface="+mj-lt"/>
+                <a:ea typeface="+mj-ea"/>
+                <a:cs typeface="+mj-cs"/>
+              </a:defRPr>
+            </a:lvl1pPr>
+          </a:lstStyle>
+          <a:p>
+            <a:pPr algn="ctr"/>
+            <a:r>
+              <a:rPr lang="en-IN" dirty="0"/>
+              <a:t>Login Page</a:t>
+            </a:r>
+          </a:p>
+        </p:txBody>
+      </p:sp>
       <p:pic>
         <p:nvPicPr>
-          <p:cNvPr id="4" name="Graphic 3" descr="Bar chart RTL">
+          <p:cNvPr id="5" name="Picture 4">
             <a:extLst>
               <a:ext uri="{FF2B5EF4-FFF2-40B4-BE49-F238E27FC236}">
-                <a16:creationId xmlns:a16="http://schemas.microsoft.com/office/drawing/2014/main" id="{1A5F6915-BDF2-9114-35AE-60C58460D9E7}"/>
+                <a16:creationId xmlns:a16="http://schemas.microsoft.com/office/drawing/2014/main" id="{428B0BF5-8D36-2DD6-DC09-AA6A2BF2568C}"/>
               </a:ext>
             </a:extLst>
           </p:cNvPr>
@@ -5592,9 +5845,6 @@
               <a:ext uri="{28A0092B-C50C-407E-A947-70E740481C1C}">
                 <a14:useLocalDpi xmlns:a14="http://schemas.microsoft.com/office/drawing/2010/main" val="0"/>
               </a:ext>
-              <a:ext uri="{96DAC541-7B7A-43D3-8B79-37D633B846F1}">
-                <asvg:svgBlip xmlns:asvg="http://schemas.microsoft.com/office/drawing/2016/SVG/main" r:embed="rId4"/>
-              </a:ext>
             </a:extLst>
           </a:blip>
           <a:stretch>
@@ -5603,8 +5853,8 @@
         </p:blipFill>
         <p:spPr>
           <a:xfrm>
-            <a:off x="9966959" y="4495799"/>
-            <a:ext cx="986267" cy="1092201"/>
+            <a:off x="1661111" y="1410312"/>
+            <a:ext cx="8869778" cy="4989250"/>
           </a:xfrm>
           <a:prstGeom prst="rect">
             <a:avLst/>
@@ -5614,7 +5864,7 @@
     </p:spTree>
     <p:extLst>
       <p:ext uri="{BB962C8B-B14F-4D97-AF65-F5344CB8AC3E}">
-        <p14:creationId xmlns:p14="http://schemas.microsoft.com/office/powerpoint/2010/main" val="1594051724"/>
+        <p14:creationId xmlns:p14="http://schemas.microsoft.com/office/powerpoint/2010/main" val="3104973056"/>
       </p:ext>
     </p:extLst>
   </p:cSld>
@@ -5624,7 +5874,763 @@
 </p:sld>
 </file>
 
-<file path=ppt/slides/slide11.xml><?xml version="1.0" encoding="utf-8"?>
+<file path=ppt/slides/slide13.xml><?xml version="1.0" encoding="utf-8"?>
+<p:sld xmlns:a="http://schemas.openxmlformats.org/drawingml/2006/main" xmlns:r="http://schemas.openxmlformats.org/officeDocument/2006/relationships" xmlns:p="http://schemas.openxmlformats.org/presentationml/2006/main">
+  <p:cSld>
+    <p:spTree>
+      <p:nvGrpSpPr>
+        <p:cNvPr id="1" name=""/>
+        <p:cNvGrpSpPr/>
+        <p:nvPr/>
+      </p:nvGrpSpPr>
+      <p:grpSpPr>
+        <a:xfrm>
+          <a:off x="0" y="0"/>
+          <a:ext cx="0" cy="0"/>
+          <a:chOff x="0" y="0"/>
+          <a:chExt cx="0" cy="0"/>
+        </a:xfrm>
+      </p:grpSpPr>
+      <p:sp>
+        <p:nvSpPr>
+          <p:cNvPr id="2" name="Title 4">
+            <a:extLst>
+              <a:ext uri="{FF2B5EF4-FFF2-40B4-BE49-F238E27FC236}">
+                <a16:creationId xmlns:a16="http://schemas.microsoft.com/office/drawing/2014/main" id="{D7693F58-EE17-7F70-5475-C6FD1B3F5234}"/>
+              </a:ext>
+            </a:extLst>
+          </p:cNvPr>
+          <p:cNvSpPr txBox="1">
+            <a:spLocks/>
+          </p:cNvSpPr>
+          <p:nvPr/>
+        </p:nvSpPr>
+        <p:spPr>
+          <a:xfrm>
+            <a:off x="2424287" y="376218"/>
+            <a:ext cx="6721988" cy="963073"/>
+          </a:xfrm>
+          <a:prstGeom prst="rect">
+            <a:avLst/>
+          </a:prstGeom>
+        </p:spPr>
+        <p:txBody>
+          <a:bodyPr/>
+          <a:lstStyle>
+            <a:lvl1pPr algn="l" defTabSz="914400" rtl="0" eaLnBrk="1" latinLnBrk="0" hangingPunct="1">
+              <a:lnSpc>
+                <a:spcPct val="90000"/>
+              </a:lnSpc>
+              <a:spcBef>
+                <a:spcPct val="0"/>
+              </a:spcBef>
+              <a:buNone/>
+              <a:defRPr sz="5400" kern="1200" cap="all" baseline="0">
+                <a:blipFill>
+                  <a:blip r:embed="rId2">
+                    <a:extLst>
+                      <a:ext uri="{28A0092B-C50C-407E-A947-70E740481C1C}">
+                        <a14:useLocalDpi xmlns:a14="http://schemas.microsoft.com/office/drawing/2010/main" val="0"/>
+                      </a:ext>
+                    </a:extLst>
+                  </a:blip>
+                  <a:tile tx="6350" ty="-127000" sx="65000" sy="64000" flip="none" algn="tl"/>
+                </a:blipFill>
+                <a:latin typeface="+mj-lt"/>
+                <a:ea typeface="+mj-ea"/>
+                <a:cs typeface="+mj-cs"/>
+              </a:defRPr>
+            </a:lvl1pPr>
+          </a:lstStyle>
+          <a:p>
+            <a:pPr algn="ctr"/>
+            <a:r>
+              <a:rPr lang="en-IN" dirty="0"/>
+              <a:t>Data Recorded for Newly registered Users</a:t>
+            </a:r>
+          </a:p>
+        </p:txBody>
+      </p:sp>
+      <p:pic>
+        <p:nvPicPr>
+          <p:cNvPr id="4" name="Picture 3">
+            <a:extLst>
+              <a:ext uri="{FF2B5EF4-FFF2-40B4-BE49-F238E27FC236}">
+                <a16:creationId xmlns:a16="http://schemas.microsoft.com/office/drawing/2014/main" id="{D9BB80B4-F4DE-5A8A-775E-068261833F4B}"/>
+              </a:ext>
+            </a:extLst>
+          </p:cNvPr>
+          <p:cNvPicPr>
+            <a:picLocks noChangeAspect="1"/>
+          </p:cNvPicPr>
+          <p:nvPr/>
+        </p:nvPicPr>
+        <p:blipFill>
+          <a:blip r:embed="rId3">
+            <a:extLst>
+              <a:ext uri="{28A0092B-C50C-407E-A947-70E740481C1C}">
+                <a14:useLocalDpi xmlns:a14="http://schemas.microsoft.com/office/drawing/2010/main" val="0"/>
+              </a:ext>
+            </a:extLst>
+          </a:blip>
+          <a:stretch>
+            <a:fillRect/>
+          </a:stretch>
+        </p:blipFill>
+        <p:spPr>
+          <a:xfrm>
+            <a:off x="2041864" y="1908699"/>
+            <a:ext cx="7875479" cy="4429957"/>
+          </a:xfrm>
+          <a:prstGeom prst="rect">
+            <a:avLst/>
+          </a:prstGeom>
+        </p:spPr>
+      </p:pic>
+    </p:spTree>
+    <p:extLst>
+      <p:ext uri="{BB962C8B-B14F-4D97-AF65-F5344CB8AC3E}">
+        <p14:creationId xmlns:p14="http://schemas.microsoft.com/office/powerpoint/2010/main" val="1225815518"/>
+      </p:ext>
+    </p:extLst>
+  </p:cSld>
+  <p:clrMapOvr>
+    <a:masterClrMapping/>
+  </p:clrMapOvr>
+</p:sld>
+</file>
+
+<file path=ppt/slides/slide14.xml><?xml version="1.0" encoding="utf-8"?>
+<p:sld xmlns:a="http://schemas.openxmlformats.org/drawingml/2006/main" xmlns:r="http://schemas.openxmlformats.org/officeDocument/2006/relationships" xmlns:p="http://schemas.openxmlformats.org/presentationml/2006/main">
+  <p:cSld>
+    <p:spTree>
+      <p:nvGrpSpPr>
+        <p:cNvPr id="1" name=""/>
+        <p:cNvGrpSpPr/>
+        <p:nvPr/>
+      </p:nvGrpSpPr>
+      <p:grpSpPr>
+        <a:xfrm>
+          <a:off x="0" y="0"/>
+          <a:ext cx="0" cy="0"/>
+          <a:chOff x="0" y="0"/>
+          <a:chExt cx="0" cy="0"/>
+        </a:xfrm>
+      </p:grpSpPr>
+      <p:sp>
+        <p:nvSpPr>
+          <p:cNvPr id="2" name="Title 4">
+            <a:extLst>
+              <a:ext uri="{FF2B5EF4-FFF2-40B4-BE49-F238E27FC236}">
+                <a16:creationId xmlns:a16="http://schemas.microsoft.com/office/drawing/2014/main" id="{B509FC84-9B47-3B93-EC1A-7ED0040F9BA2}"/>
+              </a:ext>
+            </a:extLst>
+          </p:cNvPr>
+          <p:cNvSpPr txBox="1">
+            <a:spLocks/>
+          </p:cNvSpPr>
+          <p:nvPr/>
+        </p:nvSpPr>
+        <p:spPr>
+          <a:xfrm>
+            <a:off x="2424287" y="376218"/>
+            <a:ext cx="6721988" cy="963073"/>
+          </a:xfrm>
+          <a:prstGeom prst="rect">
+            <a:avLst/>
+          </a:prstGeom>
+        </p:spPr>
+        <p:txBody>
+          <a:bodyPr/>
+          <a:lstStyle>
+            <a:lvl1pPr algn="l" defTabSz="914400" rtl="0" eaLnBrk="1" latinLnBrk="0" hangingPunct="1">
+              <a:lnSpc>
+                <a:spcPct val="90000"/>
+              </a:lnSpc>
+              <a:spcBef>
+                <a:spcPct val="0"/>
+              </a:spcBef>
+              <a:buNone/>
+              <a:defRPr sz="5400" kern="1200" cap="all" baseline="0">
+                <a:blipFill>
+                  <a:blip r:embed="rId2">
+                    <a:extLst>
+                      <a:ext uri="{28A0092B-C50C-407E-A947-70E740481C1C}">
+                        <a14:useLocalDpi xmlns:a14="http://schemas.microsoft.com/office/drawing/2010/main" val="0"/>
+                      </a:ext>
+                    </a:extLst>
+                  </a:blip>
+                  <a:tile tx="6350" ty="-127000" sx="65000" sy="64000" flip="none" algn="tl"/>
+                </a:blipFill>
+                <a:latin typeface="+mj-lt"/>
+                <a:ea typeface="+mj-ea"/>
+                <a:cs typeface="+mj-cs"/>
+              </a:defRPr>
+            </a:lvl1pPr>
+          </a:lstStyle>
+          <a:p>
+            <a:pPr algn="ctr"/>
+            <a:r>
+              <a:rPr lang="en-IN" dirty="0"/>
+              <a:t>User Authenticated</a:t>
+            </a:r>
+          </a:p>
+        </p:txBody>
+      </p:sp>
+      <p:pic>
+        <p:nvPicPr>
+          <p:cNvPr id="4" name="Picture 3">
+            <a:extLst>
+              <a:ext uri="{FF2B5EF4-FFF2-40B4-BE49-F238E27FC236}">
+                <a16:creationId xmlns:a16="http://schemas.microsoft.com/office/drawing/2014/main" id="{FF153B9D-351D-7E51-D903-5AFE560C74F4}"/>
+              </a:ext>
+            </a:extLst>
+          </p:cNvPr>
+          <p:cNvPicPr>
+            <a:picLocks noChangeAspect="1"/>
+          </p:cNvPicPr>
+          <p:nvPr/>
+        </p:nvPicPr>
+        <p:blipFill>
+          <a:blip r:embed="rId3">
+            <a:extLst>
+              <a:ext uri="{28A0092B-C50C-407E-A947-70E740481C1C}">
+                <a14:useLocalDpi xmlns:a14="http://schemas.microsoft.com/office/drawing/2010/main" val="0"/>
+              </a:ext>
+            </a:extLst>
+          </a:blip>
+          <a:stretch>
+            <a:fillRect/>
+          </a:stretch>
+        </p:blipFill>
+        <p:spPr>
+          <a:xfrm>
+            <a:off x="1855432" y="1597980"/>
+            <a:ext cx="7859698" cy="4421080"/>
+          </a:xfrm>
+          <a:prstGeom prst="rect">
+            <a:avLst/>
+          </a:prstGeom>
+        </p:spPr>
+      </p:pic>
+    </p:spTree>
+    <p:extLst>
+      <p:ext uri="{BB962C8B-B14F-4D97-AF65-F5344CB8AC3E}">
+        <p14:creationId xmlns:p14="http://schemas.microsoft.com/office/powerpoint/2010/main" val="2884166670"/>
+      </p:ext>
+    </p:extLst>
+  </p:cSld>
+  <p:clrMapOvr>
+    <a:masterClrMapping/>
+  </p:clrMapOvr>
+</p:sld>
+</file>
+
+<file path=ppt/slides/slide15.xml><?xml version="1.0" encoding="utf-8"?>
+<p:sld xmlns:a="http://schemas.openxmlformats.org/drawingml/2006/main" xmlns:r="http://schemas.openxmlformats.org/officeDocument/2006/relationships" xmlns:p="http://schemas.openxmlformats.org/presentationml/2006/main">
+  <p:cSld>
+    <p:spTree>
+      <p:nvGrpSpPr>
+        <p:cNvPr id="1" name=""/>
+        <p:cNvGrpSpPr/>
+        <p:nvPr/>
+      </p:nvGrpSpPr>
+      <p:grpSpPr>
+        <a:xfrm>
+          <a:off x="0" y="0"/>
+          <a:ext cx="0" cy="0"/>
+          <a:chOff x="0" y="0"/>
+          <a:chExt cx="0" cy="0"/>
+        </a:xfrm>
+      </p:grpSpPr>
+      <p:sp>
+        <p:nvSpPr>
+          <p:cNvPr id="2" name="Title 4">
+            <a:extLst>
+              <a:ext uri="{FF2B5EF4-FFF2-40B4-BE49-F238E27FC236}">
+                <a16:creationId xmlns:a16="http://schemas.microsoft.com/office/drawing/2014/main" id="{FDCBE66F-2F89-E3A5-6767-CC92BB6E6C18}"/>
+              </a:ext>
+            </a:extLst>
+          </p:cNvPr>
+          <p:cNvSpPr txBox="1">
+            <a:spLocks/>
+          </p:cNvSpPr>
+          <p:nvPr/>
+        </p:nvSpPr>
+        <p:spPr>
+          <a:xfrm>
+            <a:off x="2424287" y="376218"/>
+            <a:ext cx="6721988" cy="963073"/>
+          </a:xfrm>
+          <a:prstGeom prst="rect">
+            <a:avLst/>
+          </a:prstGeom>
+        </p:spPr>
+        <p:txBody>
+          <a:bodyPr/>
+          <a:lstStyle>
+            <a:lvl1pPr algn="l" defTabSz="914400" rtl="0" eaLnBrk="1" latinLnBrk="0" hangingPunct="1">
+              <a:lnSpc>
+                <a:spcPct val="90000"/>
+              </a:lnSpc>
+              <a:spcBef>
+                <a:spcPct val="0"/>
+              </a:spcBef>
+              <a:buNone/>
+              <a:defRPr sz="5400" kern="1200" cap="all" baseline="0">
+                <a:blipFill>
+                  <a:blip r:embed="rId2">
+                    <a:extLst>
+                      <a:ext uri="{28A0092B-C50C-407E-A947-70E740481C1C}">
+                        <a14:useLocalDpi xmlns:a14="http://schemas.microsoft.com/office/drawing/2010/main" val="0"/>
+                      </a:ext>
+                    </a:extLst>
+                  </a:blip>
+                  <a:tile tx="6350" ty="-127000" sx="65000" sy="64000" flip="none" algn="tl"/>
+                </a:blipFill>
+                <a:latin typeface="+mj-lt"/>
+                <a:ea typeface="+mj-ea"/>
+                <a:cs typeface="+mj-cs"/>
+              </a:defRPr>
+            </a:lvl1pPr>
+          </a:lstStyle>
+          <a:p>
+            <a:pPr algn="ctr"/>
+            <a:r>
+              <a:rPr lang="en-IN" dirty="0"/>
+              <a:t>Adding Image of driver and vehicle plate</a:t>
+            </a:r>
+          </a:p>
+        </p:txBody>
+      </p:sp>
+      <p:pic>
+        <p:nvPicPr>
+          <p:cNvPr id="4" name="Picture 3">
+            <a:extLst>
+              <a:ext uri="{FF2B5EF4-FFF2-40B4-BE49-F238E27FC236}">
+                <a16:creationId xmlns:a16="http://schemas.microsoft.com/office/drawing/2014/main" id="{BFBFD4DB-06A5-7961-2ECE-8E1DA90D1E39}"/>
+              </a:ext>
+            </a:extLst>
+          </p:cNvPr>
+          <p:cNvPicPr>
+            <a:picLocks noChangeAspect="1"/>
+          </p:cNvPicPr>
+          <p:nvPr/>
+        </p:nvPicPr>
+        <p:blipFill>
+          <a:blip r:embed="rId3">
+            <a:extLst>
+              <a:ext uri="{28A0092B-C50C-407E-A947-70E740481C1C}">
+                <a14:useLocalDpi xmlns:a14="http://schemas.microsoft.com/office/drawing/2010/main" val="0"/>
+              </a:ext>
+            </a:extLst>
+          </a:blip>
+          <a:stretch>
+            <a:fillRect/>
+          </a:stretch>
+        </p:blipFill>
+        <p:spPr>
+          <a:xfrm>
+            <a:off x="1595020" y="1926454"/>
+            <a:ext cx="8380521" cy="4714043"/>
+          </a:xfrm>
+          <a:prstGeom prst="rect">
+            <a:avLst/>
+          </a:prstGeom>
+        </p:spPr>
+      </p:pic>
+    </p:spTree>
+    <p:extLst>
+      <p:ext uri="{BB962C8B-B14F-4D97-AF65-F5344CB8AC3E}">
+        <p14:creationId xmlns:p14="http://schemas.microsoft.com/office/powerpoint/2010/main" val="1451498969"/>
+      </p:ext>
+    </p:extLst>
+  </p:cSld>
+  <p:clrMapOvr>
+    <a:masterClrMapping/>
+  </p:clrMapOvr>
+</p:sld>
+</file>
+
+<file path=ppt/slides/slide16.xml><?xml version="1.0" encoding="utf-8"?>
+<p:sld xmlns:a="http://schemas.openxmlformats.org/drawingml/2006/main" xmlns:r="http://schemas.openxmlformats.org/officeDocument/2006/relationships" xmlns:p="http://schemas.openxmlformats.org/presentationml/2006/main">
+  <p:cSld>
+    <p:spTree>
+      <p:nvGrpSpPr>
+        <p:cNvPr id="1" name=""/>
+        <p:cNvGrpSpPr/>
+        <p:nvPr/>
+      </p:nvGrpSpPr>
+      <p:grpSpPr>
+        <a:xfrm>
+          <a:off x="0" y="0"/>
+          <a:ext cx="0" cy="0"/>
+          <a:chOff x="0" y="0"/>
+          <a:chExt cx="0" cy="0"/>
+        </a:xfrm>
+      </p:grpSpPr>
+      <p:sp>
+        <p:nvSpPr>
+          <p:cNvPr id="2" name="Title 4">
+            <a:extLst>
+              <a:ext uri="{FF2B5EF4-FFF2-40B4-BE49-F238E27FC236}">
+                <a16:creationId xmlns:a16="http://schemas.microsoft.com/office/drawing/2014/main" id="{CF16448A-6736-96D5-7BFB-2BD5A0710097}"/>
+              </a:ext>
+            </a:extLst>
+          </p:cNvPr>
+          <p:cNvSpPr txBox="1">
+            <a:spLocks/>
+          </p:cNvSpPr>
+          <p:nvPr/>
+        </p:nvSpPr>
+        <p:spPr>
+          <a:xfrm>
+            <a:off x="2424287" y="376218"/>
+            <a:ext cx="6721988" cy="963073"/>
+          </a:xfrm>
+          <a:prstGeom prst="rect">
+            <a:avLst/>
+          </a:prstGeom>
+        </p:spPr>
+        <p:txBody>
+          <a:bodyPr/>
+          <a:lstStyle>
+            <a:lvl1pPr algn="l" defTabSz="914400" rtl="0" eaLnBrk="1" latinLnBrk="0" hangingPunct="1">
+              <a:lnSpc>
+                <a:spcPct val="90000"/>
+              </a:lnSpc>
+              <a:spcBef>
+                <a:spcPct val="0"/>
+              </a:spcBef>
+              <a:buNone/>
+              <a:defRPr sz="5400" kern="1200" cap="all" baseline="0">
+                <a:blipFill>
+                  <a:blip r:embed="rId2">
+                    <a:extLst>
+                      <a:ext uri="{28A0092B-C50C-407E-A947-70E740481C1C}">
+                        <a14:useLocalDpi xmlns:a14="http://schemas.microsoft.com/office/drawing/2010/main" val="0"/>
+                      </a:ext>
+                    </a:extLst>
+                  </a:blip>
+                  <a:tile tx="6350" ty="-127000" sx="65000" sy="64000" flip="none" algn="tl"/>
+                </a:blipFill>
+                <a:latin typeface="+mj-lt"/>
+                <a:ea typeface="+mj-ea"/>
+                <a:cs typeface="+mj-cs"/>
+              </a:defRPr>
+            </a:lvl1pPr>
+          </a:lstStyle>
+          <a:p>
+            <a:pPr algn="ctr"/>
+            <a:r>
+              <a:rPr lang="en-IN" dirty="0"/>
+              <a:t>User image and plate gets matched</a:t>
+            </a:r>
+          </a:p>
+        </p:txBody>
+      </p:sp>
+      <p:pic>
+        <p:nvPicPr>
+          <p:cNvPr id="4" name="Picture 3">
+            <a:extLst>
+              <a:ext uri="{FF2B5EF4-FFF2-40B4-BE49-F238E27FC236}">
+                <a16:creationId xmlns:a16="http://schemas.microsoft.com/office/drawing/2014/main" id="{F22E6AC4-A030-2D60-A84C-8AD4B1C1DB16}"/>
+              </a:ext>
+            </a:extLst>
+          </p:cNvPr>
+          <p:cNvPicPr>
+            <a:picLocks noChangeAspect="1"/>
+          </p:cNvPicPr>
+          <p:nvPr/>
+        </p:nvPicPr>
+        <p:blipFill>
+          <a:blip r:embed="rId3">
+            <a:extLst>
+              <a:ext uri="{28A0092B-C50C-407E-A947-70E740481C1C}">
+                <a14:useLocalDpi xmlns:a14="http://schemas.microsoft.com/office/drawing/2010/main" val="0"/>
+              </a:ext>
+            </a:extLst>
+          </a:blip>
+          <a:stretch>
+            <a:fillRect/>
+          </a:stretch>
+        </p:blipFill>
+        <p:spPr>
+          <a:xfrm>
+            <a:off x="1513840" y="1832352"/>
+            <a:ext cx="9224370" cy="4537968"/>
+          </a:xfrm>
+          <a:prstGeom prst="rect">
+            <a:avLst/>
+          </a:prstGeom>
+        </p:spPr>
+      </p:pic>
+    </p:spTree>
+    <p:extLst>
+      <p:ext uri="{BB962C8B-B14F-4D97-AF65-F5344CB8AC3E}">
+        <p14:creationId xmlns:p14="http://schemas.microsoft.com/office/powerpoint/2010/main" val="4150416042"/>
+      </p:ext>
+    </p:extLst>
+  </p:cSld>
+  <p:clrMapOvr>
+    <a:masterClrMapping/>
+  </p:clrMapOvr>
+</p:sld>
+</file>
+
+<file path=ppt/slides/slide17.xml><?xml version="1.0" encoding="utf-8"?>
+<p:sld xmlns:a="http://schemas.openxmlformats.org/drawingml/2006/main" xmlns:r="http://schemas.openxmlformats.org/officeDocument/2006/relationships" xmlns:p="http://schemas.openxmlformats.org/presentationml/2006/main">
+  <p:cSld>
+    <p:spTree>
+      <p:nvGrpSpPr>
+        <p:cNvPr id="1" name=""/>
+        <p:cNvGrpSpPr/>
+        <p:nvPr/>
+      </p:nvGrpSpPr>
+      <p:grpSpPr>
+        <a:xfrm>
+          <a:off x="0" y="0"/>
+          <a:ext cx="0" cy="0"/>
+          <a:chOff x="0" y="0"/>
+          <a:chExt cx="0" cy="0"/>
+        </a:xfrm>
+      </p:grpSpPr>
+      <p:sp>
+        <p:nvSpPr>
+          <p:cNvPr id="2" name="Title 4">
+            <a:extLst>
+              <a:ext uri="{FF2B5EF4-FFF2-40B4-BE49-F238E27FC236}">
+                <a16:creationId xmlns:a16="http://schemas.microsoft.com/office/drawing/2014/main" id="{82D622A6-CD61-3ED7-E37C-B7D4F60D1E0D}"/>
+              </a:ext>
+            </a:extLst>
+          </p:cNvPr>
+          <p:cNvSpPr txBox="1">
+            <a:spLocks/>
+          </p:cNvSpPr>
+          <p:nvPr/>
+        </p:nvSpPr>
+        <p:spPr>
+          <a:xfrm>
+            <a:off x="2424287" y="376218"/>
+            <a:ext cx="6721988" cy="963073"/>
+          </a:xfrm>
+          <a:prstGeom prst="rect">
+            <a:avLst/>
+          </a:prstGeom>
+        </p:spPr>
+        <p:txBody>
+          <a:bodyPr/>
+          <a:lstStyle>
+            <a:lvl1pPr algn="l" defTabSz="914400" rtl="0" eaLnBrk="1" latinLnBrk="0" hangingPunct="1">
+              <a:lnSpc>
+                <a:spcPct val="90000"/>
+              </a:lnSpc>
+              <a:spcBef>
+                <a:spcPct val="0"/>
+              </a:spcBef>
+              <a:buNone/>
+              <a:defRPr sz="5400" kern="1200" cap="all" baseline="0">
+                <a:blipFill>
+                  <a:blip r:embed="rId2">
+                    <a:extLst>
+                      <a:ext uri="{28A0092B-C50C-407E-A947-70E740481C1C}">
+                        <a14:useLocalDpi xmlns:a14="http://schemas.microsoft.com/office/drawing/2010/main" val="0"/>
+                      </a:ext>
+                    </a:extLst>
+                  </a:blip>
+                  <a:tile tx="6350" ty="-127000" sx="65000" sy="64000" flip="none" algn="tl"/>
+                </a:blipFill>
+                <a:latin typeface="+mj-lt"/>
+                <a:ea typeface="+mj-ea"/>
+                <a:cs typeface="+mj-cs"/>
+              </a:defRPr>
+            </a:lvl1pPr>
+          </a:lstStyle>
+          <a:p>
+            <a:pPr algn="ctr"/>
+            <a:r>
+              <a:rPr lang="en-IN" dirty="0"/>
+              <a:t>Trip start</a:t>
+            </a:r>
+          </a:p>
+        </p:txBody>
+      </p:sp>
+      <p:pic>
+        <p:nvPicPr>
+          <p:cNvPr id="4" name="Picture 3">
+            <a:extLst>
+              <a:ext uri="{FF2B5EF4-FFF2-40B4-BE49-F238E27FC236}">
+                <a16:creationId xmlns:a16="http://schemas.microsoft.com/office/drawing/2014/main" id="{E6673EC5-A78E-463A-8EE8-201F3A677C6D}"/>
+              </a:ext>
+            </a:extLst>
+          </p:cNvPr>
+          <p:cNvPicPr>
+            <a:picLocks noChangeAspect="1"/>
+          </p:cNvPicPr>
+          <p:nvPr/>
+        </p:nvPicPr>
+        <p:blipFill>
+          <a:blip r:embed="rId3">
+            <a:extLst>
+              <a:ext uri="{28A0092B-C50C-407E-A947-70E740481C1C}">
+                <a14:useLocalDpi xmlns:a14="http://schemas.microsoft.com/office/drawing/2010/main" val="0"/>
+              </a:ext>
+            </a:extLst>
+          </a:blip>
+          <a:stretch>
+            <a:fillRect/>
+          </a:stretch>
+        </p:blipFill>
+        <p:spPr>
+          <a:xfrm>
+            <a:off x="1310935" y="1448143"/>
+            <a:ext cx="8948692" cy="5033639"/>
+          </a:xfrm>
+          <a:prstGeom prst="rect">
+            <a:avLst/>
+          </a:prstGeom>
+        </p:spPr>
+      </p:pic>
+    </p:spTree>
+    <p:extLst>
+      <p:ext uri="{BB962C8B-B14F-4D97-AF65-F5344CB8AC3E}">
+        <p14:creationId xmlns:p14="http://schemas.microsoft.com/office/powerpoint/2010/main" val="3856898278"/>
+      </p:ext>
+    </p:extLst>
+  </p:cSld>
+  <p:clrMapOvr>
+    <a:masterClrMapping/>
+  </p:clrMapOvr>
+</p:sld>
+</file>
+
+<file path=ppt/slides/slide18.xml><?xml version="1.0" encoding="utf-8"?>
+<p:sld xmlns:a="http://schemas.openxmlformats.org/drawingml/2006/main" xmlns:r="http://schemas.openxmlformats.org/officeDocument/2006/relationships" xmlns:p="http://schemas.openxmlformats.org/presentationml/2006/main">
+  <p:cSld>
+    <p:spTree>
+      <p:nvGrpSpPr>
+        <p:cNvPr id="1" name=""/>
+        <p:cNvGrpSpPr/>
+        <p:nvPr/>
+      </p:nvGrpSpPr>
+      <p:grpSpPr>
+        <a:xfrm>
+          <a:off x="0" y="0"/>
+          <a:ext cx="0" cy="0"/>
+          <a:chOff x="0" y="0"/>
+          <a:chExt cx="0" cy="0"/>
+        </a:xfrm>
+      </p:grpSpPr>
+      <p:sp>
+        <p:nvSpPr>
+          <p:cNvPr id="2" name="Title 4">
+            <a:extLst>
+              <a:ext uri="{FF2B5EF4-FFF2-40B4-BE49-F238E27FC236}">
+                <a16:creationId xmlns:a16="http://schemas.microsoft.com/office/drawing/2014/main" id="{B523C63E-AF45-62A6-1119-95C7A894CE10}"/>
+              </a:ext>
+            </a:extLst>
+          </p:cNvPr>
+          <p:cNvSpPr txBox="1">
+            <a:spLocks/>
+          </p:cNvSpPr>
+          <p:nvPr/>
+        </p:nvSpPr>
+        <p:spPr>
+          <a:xfrm>
+            <a:off x="2424287" y="376218"/>
+            <a:ext cx="6721988" cy="963073"/>
+          </a:xfrm>
+          <a:prstGeom prst="rect">
+            <a:avLst/>
+          </a:prstGeom>
+        </p:spPr>
+        <p:txBody>
+          <a:bodyPr/>
+          <a:lstStyle>
+            <a:lvl1pPr algn="l" defTabSz="914400" rtl="0" eaLnBrk="1" latinLnBrk="0" hangingPunct="1">
+              <a:lnSpc>
+                <a:spcPct val="90000"/>
+              </a:lnSpc>
+              <a:spcBef>
+                <a:spcPct val="0"/>
+              </a:spcBef>
+              <a:buNone/>
+              <a:defRPr sz="5400" kern="1200" cap="all" baseline="0">
+                <a:blipFill>
+                  <a:blip r:embed="rId2">
+                    <a:extLst>
+                      <a:ext uri="{28A0092B-C50C-407E-A947-70E740481C1C}">
+                        <a14:useLocalDpi xmlns:a14="http://schemas.microsoft.com/office/drawing/2010/main" val="0"/>
+                      </a:ext>
+                    </a:extLst>
+                  </a:blip>
+                  <a:tile tx="6350" ty="-127000" sx="65000" sy="64000" flip="none" algn="tl"/>
+                </a:blipFill>
+                <a:latin typeface="+mj-lt"/>
+                <a:ea typeface="+mj-ea"/>
+                <a:cs typeface="+mj-cs"/>
+              </a:defRPr>
+            </a:lvl1pPr>
+          </a:lstStyle>
+          <a:p>
+            <a:pPr algn="ctr"/>
+            <a:r>
+              <a:rPr lang="en-IN" dirty="0"/>
+              <a:t>Drowsiness detected</a:t>
+            </a:r>
+          </a:p>
+        </p:txBody>
+      </p:sp>
+      <p:pic>
+        <p:nvPicPr>
+          <p:cNvPr id="4" name="Picture 3">
+            <a:extLst>
+              <a:ext uri="{FF2B5EF4-FFF2-40B4-BE49-F238E27FC236}">
+                <a16:creationId xmlns:a16="http://schemas.microsoft.com/office/drawing/2014/main" id="{9D3385BF-1F1C-05AA-B3F4-129A095B08AA}"/>
+              </a:ext>
+            </a:extLst>
+          </p:cNvPr>
+          <p:cNvPicPr>
+            <a:picLocks noChangeAspect="1"/>
+          </p:cNvPicPr>
+          <p:nvPr/>
+        </p:nvPicPr>
+        <p:blipFill>
+          <a:blip r:embed="rId3">
+            <a:extLst>
+              <a:ext uri="{28A0092B-C50C-407E-A947-70E740481C1C}">
+                <a14:useLocalDpi xmlns:a14="http://schemas.microsoft.com/office/drawing/2010/main" val="0"/>
+              </a:ext>
+            </a:extLst>
+          </a:blip>
+          <a:stretch>
+            <a:fillRect/>
+          </a:stretch>
+        </p:blipFill>
+        <p:spPr>
+          <a:xfrm>
+            <a:off x="1866283" y="1723351"/>
+            <a:ext cx="8459433" cy="4758431"/>
+          </a:xfrm>
+          <a:prstGeom prst="rect">
+            <a:avLst/>
+          </a:prstGeom>
+        </p:spPr>
+      </p:pic>
+    </p:spTree>
+    <p:extLst>
+      <p:ext uri="{BB962C8B-B14F-4D97-AF65-F5344CB8AC3E}">
+        <p14:creationId xmlns:p14="http://schemas.microsoft.com/office/powerpoint/2010/main" val="3398931662"/>
+      </p:ext>
+    </p:extLst>
+  </p:cSld>
+  <p:clrMapOvr>
+    <a:masterClrMapping/>
+  </p:clrMapOvr>
+</p:sld>
+</file>
+
+<file path=ppt/slides/slide19.xml><?xml version="1.0" encoding="utf-8"?>
 <p:sld xmlns:a="http://schemas.openxmlformats.org/drawingml/2006/main" xmlns:r="http://schemas.openxmlformats.org/officeDocument/2006/relationships" xmlns:p="http://schemas.openxmlformats.org/presentationml/2006/main">
   <p:cSld>
     <p:bg>
@@ -6095,7 +7101,132 @@
 </p:sld>
 </file>
 
-<file path=ppt/slides/slide12.xml><?xml version="1.0" encoding="utf-8"?>
+<file path=ppt/slides/slide2.xml><?xml version="1.0" encoding="utf-8"?>
+<p:sld xmlns:a="http://schemas.openxmlformats.org/drawingml/2006/main" xmlns:r="http://schemas.openxmlformats.org/officeDocument/2006/relationships" xmlns:p="http://schemas.openxmlformats.org/presentationml/2006/main">
+  <p:cSld>
+    <p:spTree>
+      <p:nvGrpSpPr>
+        <p:cNvPr id="1" name=""/>
+        <p:cNvGrpSpPr/>
+        <p:nvPr/>
+      </p:nvGrpSpPr>
+      <p:grpSpPr>
+        <a:xfrm>
+          <a:off x="0" y="0"/>
+          <a:ext cx="0" cy="0"/>
+          <a:chOff x="0" y="0"/>
+          <a:chExt cx="0" cy="0"/>
+        </a:xfrm>
+      </p:grpSpPr>
+      <p:sp>
+        <p:nvSpPr>
+          <p:cNvPr id="2" name="Title 1">
+            <a:extLst>
+              <a:ext uri="{FF2B5EF4-FFF2-40B4-BE49-F238E27FC236}">
+                <a16:creationId xmlns:a16="http://schemas.microsoft.com/office/drawing/2014/main" id="{ED526EB6-1388-4E04-A506-F3243F5E972E}"/>
+              </a:ext>
+            </a:extLst>
+          </p:cNvPr>
+          <p:cNvSpPr>
+            <a:spLocks noGrp="1"/>
+          </p:cNvSpPr>
+          <p:nvPr>
+            <p:ph type="title"/>
+          </p:nvPr>
+        </p:nvSpPr>
+        <p:spPr>
+          <a:xfrm>
+            <a:off x="1040973" y="2624328"/>
+            <a:ext cx="4602320" cy="1609344"/>
+          </a:xfrm>
+        </p:spPr>
+        <p:txBody>
+          <a:bodyPr/>
+          <a:lstStyle/>
+          <a:p>
+            <a:r>
+              <a:rPr lang="en-US" dirty="0"/>
+              <a:t>GROUP MEMEBERS</a:t>
+            </a:r>
+          </a:p>
+        </p:txBody>
+      </p:sp>
+      <p:sp>
+        <p:nvSpPr>
+          <p:cNvPr id="3" name="Content Placeholder 2">
+            <a:extLst>
+              <a:ext uri="{FF2B5EF4-FFF2-40B4-BE49-F238E27FC236}">
+                <a16:creationId xmlns:a16="http://schemas.microsoft.com/office/drawing/2014/main" id="{60636681-39C2-4EA5-B36B-3AC28F52D8E2}"/>
+              </a:ext>
+            </a:extLst>
+          </p:cNvPr>
+          <p:cNvSpPr>
+            <a:spLocks noGrp="1"/>
+          </p:cNvSpPr>
+          <p:nvPr>
+            <p:ph idx="1"/>
+          </p:nvPr>
+        </p:nvSpPr>
+        <p:spPr>
+          <a:xfrm>
+            <a:off x="6096000" y="2491499"/>
+            <a:ext cx="5512067" cy="3484345"/>
+          </a:xfrm>
+        </p:spPr>
+        <p:txBody>
+          <a:bodyPr>
+            <a:normAutofit/>
+          </a:bodyPr>
+          <a:lstStyle/>
+          <a:p>
+            <a:r>
+              <a:rPr lang="en-US" dirty="0"/>
+              <a:t>Sachin Chaudhary - 0792544 </a:t>
+            </a:r>
+          </a:p>
+          <a:p>
+            <a:r>
+              <a:rPr lang="en-US" dirty="0"/>
+              <a:t>Dhruvin KetanKumar Raval - 0787447</a:t>
+            </a:r>
+          </a:p>
+          <a:p>
+            <a:r>
+              <a:rPr lang="en-US" dirty="0"/>
+              <a:t>Parth Bhavinkumar Brahmbhatt - 0793999</a:t>
+            </a:r>
+          </a:p>
+          <a:p>
+            <a:r>
+              <a:rPr lang="en-US" dirty="0"/>
+              <a:t>Ruchit Alpeshbhai Patel -  0789968</a:t>
+            </a:r>
+          </a:p>
+          <a:p>
+            <a:r>
+              <a:rPr lang="en-US" dirty="0"/>
+              <a:t>Ritik Rajeshbhai Patel - 0801738</a:t>
+            </a:r>
+          </a:p>
+          <a:p>
+            <a:endParaRPr lang="en-US" sz="3200" dirty="0"/>
+          </a:p>
+        </p:txBody>
+      </p:sp>
+    </p:spTree>
+    <p:extLst>
+      <p:ext uri="{BB962C8B-B14F-4D97-AF65-F5344CB8AC3E}">
+        <p14:creationId xmlns:p14="http://schemas.microsoft.com/office/powerpoint/2010/main" val="2905119501"/>
+      </p:ext>
+    </p:extLst>
+  </p:cSld>
+  <p:clrMapOvr>
+    <a:masterClrMapping/>
+  </p:clrMapOvr>
+</p:sld>
+</file>
+
+<file path=ppt/slides/slide20.xml><?xml version="1.0" encoding="utf-8"?>
 <p:sld xmlns:a="http://schemas.openxmlformats.org/drawingml/2006/main" xmlns:r="http://schemas.openxmlformats.org/officeDocument/2006/relationships" xmlns:p="http://schemas.openxmlformats.org/presentationml/2006/main">
   <p:cSld>
     <p:bg>
@@ -6393,131 +7524,6 @@
 </p:sld>
 </file>
 
-<file path=ppt/slides/slide2.xml><?xml version="1.0" encoding="utf-8"?>
-<p:sld xmlns:a="http://schemas.openxmlformats.org/drawingml/2006/main" xmlns:r="http://schemas.openxmlformats.org/officeDocument/2006/relationships" xmlns:p="http://schemas.openxmlformats.org/presentationml/2006/main">
-  <p:cSld>
-    <p:spTree>
-      <p:nvGrpSpPr>
-        <p:cNvPr id="1" name=""/>
-        <p:cNvGrpSpPr/>
-        <p:nvPr/>
-      </p:nvGrpSpPr>
-      <p:grpSpPr>
-        <a:xfrm>
-          <a:off x="0" y="0"/>
-          <a:ext cx="0" cy="0"/>
-          <a:chOff x="0" y="0"/>
-          <a:chExt cx="0" cy="0"/>
-        </a:xfrm>
-      </p:grpSpPr>
-      <p:sp>
-        <p:nvSpPr>
-          <p:cNvPr id="2" name="Title 1">
-            <a:extLst>
-              <a:ext uri="{FF2B5EF4-FFF2-40B4-BE49-F238E27FC236}">
-                <a16:creationId xmlns:a16="http://schemas.microsoft.com/office/drawing/2014/main" id="{ED526EB6-1388-4E04-A506-F3243F5E972E}"/>
-              </a:ext>
-            </a:extLst>
-          </p:cNvPr>
-          <p:cNvSpPr>
-            <a:spLocks noGrp="1"/>
-          </p:cNvSpPr>
-          <p:nvPr>
-            <p:ph type="title"/>
-          </p:nvPr>
-        </p:nvSpPr>
-        <p:spPr>
-          <a:xfrm>
-            <a:off x="1040973" y="2624328"/>
-            <a:ext cx="4602320" cy="1609344"/>
-          </a:xfrm>
-        </p:spPr>
-        <p:txBody>
-          <a:bodyPr/>
-          <a:lstStyle/>
-          <a:p>
-            <a:r>
-              <a:rPr lang="en-US" dirty="0"/>
-              <a:t>GROUP MEMEBERS</a:t>
-            </a:r>
-          </a:p>
-        </p:txBody>
-      </p:sp>
-      <p:sp>
-        <p:nvSpPr>
-          <p:cNvPr id="3" name="Content Placeholder 2">
-            <a:extLst>
-              <a:ext uri="{FF2B5EF4-FFF2-40B4-BE49-F238E27FC236}">
-                <a16:creationId xmlns:a16="http://schemas.microsoft.com/office/drawing/2014/main" id="{60636681-39C2-4EA5-B36B-3AC28F52D8E2}"/>
-              </a:ext>
-            </a:extLst>
-          </p:cNvPr>
-          <p:cNvSpPr>
-            <a:spLocks noGrp="1"/>
-          </p:cNvSpPr>
-          <p:nvPr>
-            <p:ph idx="1"/>
-          </p:nvPr>
-        </p:nvSpPr>
-        <p:spPr>
-          <a:xfrm>
-            <a:off x="6096000" y="2491499"/>
-            <a:ext cx="5512067" cy="3484345"/>
-          </a:xfrm>
-        </p:spPr>
-        <p:txBody>
-          <a:bodyPr>
-            <a:normAutofit/>
-          </a:bodyPr>
-          <a:lstStyle/>
-          <a:p>
-            <a:r>
-              <a:rPr lang="en-US" dirty="0"/>
-              <a:t>Sachin Chaudhary - 0792544 </a:t>
-            </a:r>
-          </a:p>
-          <a:p>
-            <a:r>
-              <a:rPr lang="en-US" dirty="0"/>
-              <a:t>Dhruvin KetanKumar Raval - 0787447</a:t>
-            </a:r>
-          </a:p>
-          <a:p>
-            <a:r>
-              <a:rPr lang="en-US" dirty="0"/>
-              <a:t>Parth Bhavinkumar Brahmbhatt - 0793999</a:t>
-            </a:r>
-          </a:p>
-          <a:p>
-            <a:r>
-              <a:rPr lang="en-US" dirty="0"/>
-              <a:t>Ruchit Alpeshbhai Patel -  0789968</a:t>
-            </a:r>
-          </a:p>
-          <a:p>
-            <a:r>
-              <a:rPr lang="en-US" dirty="0"/>
-              <a:t>Ritik Rajeshbhai Patel - 0801738</a:t>
-            </a:r>
-          </a:p>
-          <a:p>
-            <a:endParaRPr lang="en-US" sz="3200" dirty="0"/>
-          </a:p>
-        </p:txBody>
-      </p:sp>
-    </p:spTree>
-    <p:extLst>
-      <p:ext uri="{BB962C8B-B14F-4D97-AF65-F5344CB8AC3E}">
-        <p14:creationId xmlns:p14="http://schemas.microsoft.com/office/powerpoint/2010/main" val="2905119501"/>
-      </p:ext>
-    </p:extLst>
-  </p:cSld>
-  <p:clrMapOvr>
-    <a:masterClrMapping/>
-  </p:clrMapOvr>
-</p:sld>
-</file>
-
 <file path=ppt/slides/slide3.xml><?xml version="1.0" encoding="utf-8"?>
 <p:sld xmlns:a="http://schemas.openxmlformats.org/drawingml/2006/main" xmlns:r="http://schemas.openxmlformats.org/officeDocument/2006/relationships" xmlns:p="http://schemas.openxmlformats.org/presentationml/2006/main">
   <p:cSld>
@@ -6590,8 +7596,8 @@
         </p:nvSpPr>
         <p:spPr>
           <a:xfrm>
-            <a:off x="6359018" y="1005840"/>
-            <a:ext cx="4847462" cy="3416320"/>
+            <a:off x="6338698" y="1085839"/>
+            <a:ext cx="4847462" cy="3970318"/>
           </a:xfrm>
           <a:prstGeom prst="rect">
             <a:avLst/>
@@ -6646,6 +7652,15 @@
             <a:r>
               <a:rPr lang="en-IN" dirty="0"/>
               <a:t>Database Architecture</a:t>
+            </a:r>
+          </a:p>
+          <a:p>
+            <a:endParaRPr lang="en-IN" dirty="0"/>
+          </a:p>
+          <a:p>
+            <a:r>
+              <a:rPr lang="en-IN" dirty="0"/>
+              <a:t>Webapp Snapshots</a:t>
             </a:r>
           </a:p>
           <a:p>
@@ -6986,7 +8001,7 @@
         </p:nvSpPr>
         <p:spPr>
           <a:xfrm>
-            <a:off x="5775455" y="4053839"/>
+            <a:off x="5770292" y="4546018"/>
             <a:ext cx="372978" cy="510139"/>
           </a:xfrm>
           <a:prstGeom prst="rect">
@@ -7024,6 +8039,69 @@
           </a:fillRef>
           <a:effectRef idx="0">
             <a:schemeClr val="accent2">
+              <a:hueOff val="0"/>
+              <a:satOff val="0"/>
+              <a:lumOff val="0"/>
+              <a:alphaOff val="0"/>
+            </a:schemeClr>
+          </a:effectRef>
+          <a:fontRef idx="minor">
+            <a:schemeClr val="lt1"/>
+          </a:fontRef>
+        </p:style>
+      </p:sp>
+      <p:sp>
+        <p:nvSpPr>
+          <p:cNvPr id="2" name="Rectangle 1" descr="Gears">
+            <a:extLst>
+              <a:ext uri="{FF2B5EF4-FFF2-40B4-BE49-F238E27FC236}">
+                <a16:creationId xmlns:a16="http://schemas.microsoft.com/office/drawing/2014/main" id="{A1461ECB-5A25-7B75-741B-99F6A7F88437}"/>
+              </a:ext>
+            </a:extLst>
+          </p:cNvPr>
+          <p:cNvSpPr/>
+          <p:nvPr/>
+        </p:nvSpPr>
+        <p:spPr>
+          <a:xfrm>
+            <a:off x="5747841" y="3919618"/>
+            <a:ext cx="502118" cy="472437"/>
+          </a:xfrm>
+          <a:prstGeom prst="rect">
+            <a:avLst/>
+          </a:prstGeom>
+          <a:blipFill>
+            <a:blip r:embed="rId9">
+              <a:extLst>
+                <a:ext uri="{28A0092B-C50C-407E-A947-70E740481C1C}">
+                  <a14:useLocalDpi xmlns:a14="http://schemas.microsoft.com/office/drawing/2010/main" val="0"/>
+                </a:ext>
+                <a:ext uri="{96DAC541-7B7A-43D3-8B79-37D633B846F1}">
+                  <asvg:svgBlip xmlns:asvg="http://schemas.microsoft.com/office/drawing/2016/SVG/main" r:embed="rId10"/>
+                </a:ext>
+              </a:extLst>
+            </a:blip>
+            <a:srcRect/>
+            <a:stretch>
+              <a:fillRect/>
+            </a:stretch>
+          </a:blipFill>
+        </p:spPr>
+        <p:style>
+          <a:lnRef idx="2">
+            <a:schemeClr val="lt1">
+              <a:alpha val="0"/>
+              <a:hueOff val="0"/>
+              <a:satOff val="0"/>
+              <a:lumOff val="0"/>
+              <a:alphaOff val="0"/>
+            </a:schemeClr>
+          </a:lnRef>
+          <a:fillRef idx="1">
+            <a:scrgbClr r="0" g="0" b="0"/>
+          </a:fillRef>
+          <a:effectRef idx="0">
+            <a:schemeClr val="accent5">
               <a:hueOff val="0"/>
               <a:satOff val="0"/>
               <a:lumOff val="0"/>
@@ -7601,7 +8679,7 @@
                 </a:solidFill>
                 <a:ea typeface="Calibri" panose="020F0502020204030204" pitchFamily="34" charset="0"/>
               </a:rPr>
-              <a:t> Analytics will be perform on the data to extract insights on microsleep patterns with respect to factors like time, location, driver.</a:t>
+              <a:t> Analytics will be performed on the data to extract insights on microsleep patterns with respect to factors like time, location, driver.</a:t>
             </a:r>
             <a:endParaRPr lang="en-IN" sz="2000" dirty="0">
               <a:solidFill>
@@ -8279,100 +9357,6 @@
           </a:extLst>
         </p:spPr>
       </p:pic>
-      <p:pic>
-        <p:nvPicPr>
-          <p:cNvPr id="1034" name="Picture 10">
-            <a:extLst>
-              <a:ext uri="{FF2B5EF4-FFF2-40B4-BE49-F238E27FC236}">
-                <a16:creationId xmlns:a16="http://schemas.microsoft.com/office/drawing/2014/main" id="{6B541F8E-F009-1587-033E-ECC105E9DC7A}"/>
-              </a:ext>
-            </a:extLst>
-          </p:cNvPr>
-          <p:cNvPicPr>
-            <a:picLocks noChangeAspect="1" noChangeArrowheads="1"/>
-          </p:cNvPicPr>
-          <p:nvPr/>
-        </p:nvPicPr>
-        <p:blipFill>
-          <a:blip r:embed="rId6">
-            <a:extLst>
-              <a:ext uri="{28A0092B-C50C-407E-A947-70E740481C1C}">
-                <a14:useLocalDpi xmlns:a14="http://schemas.microsoft.com/office/drawing/2010/main" val="0"/>
-              </a:ext>
-            </a:extLst>
-          </a:blip>
-          <a:srcRect/>
-          <a:stretch>
-            <a:fillRect/>
-          </a:stretch>
-        </p:blipFill>
-        <p:spPr bwMode="auto">
-          <a:xfrm>
-            <a:off x="3475363" y="409223"/>
-            <a:ext cx="550053" cy="591654"/>
-          </a:xfrm>
-          <a:prstGeom prst="rect">
-            <a:avLst/>
-          </a:prstGeom>
-          <a:noFill/>
-          <a:extLst>
-            <a:ext uri="{909E8E84-426E-40DD-AFC4-6F175D3DCCD1}">
-              <a14:hiddenFill xmlns:a14="http://schemas.microsoft.com/office/drawing/2010/main">
-                <a:solidFill>
-                  <a:srgbClr val="FFFFFF"/>
-                </a:solidFill>
-              </a14:hiddenFill>
-            </a:ext>
-          </a:extLst>
-        </p:spPr>
-      </p:pic>
-      <p:pic>
-        <p:nvPicPr>
-          <p:cNvPr id="40" name="Picture 10">
-            <a:extLst>
-              <a:ext uri="{FF2B5EF4-FFF2-40B4-BE49-F238E27FC236}">
-                <a16:creationId xmlns:a16="http://schemas.microsoft.com/office/drawing/2014/main" id="{4D3408E0-5392-3922-0344-6E1C53DCFEEC}"/>
-              </a:ext>
-            </a:extLst>
-          </p:cNvPr>
-          <p:cNvPicPr>
-            <a:picLocks noChangeAspect="1" noChangeArrowheads="1"/>
-          </p:cNvPicPr>
-          <p:nvPr/>
-        </p:nvPicPr>
-        <p:blipFill>
-          <a:blip r:embed="rId6">
-            <a:extLst>
-              <a:ext uri="{28A0092B-C50C-407E-A947-70E740481C1C}">
-                <a14:useLocalDpi xmlns:a14="http://schemas.microsoft.com/office/drawing/2010/main" val="0"/>
-              </a:ext>
-            </a:extLst>
-          </a:blip>
-          <a:srcRect/>
-          <a:stretch>
-            <a:fillRect/>
-          </a:stretch>
-        </p:blipFill>
-        <p:spPr bwMode="auto">
-          <a:xfrm>
-            <a:off x="2026028" y="2213515"/>
-            <a:ext cx="550053" cy="591654"/>
-          </a:xfrm>
-          <a:prstGeom prst="rect">
-            <a:avLst/>
-          </a:prstGeom>
-          <a:noFill/>
-          <a:extLst>
-            <a:ext uri="{909E8E84-426E-40DD-AFC4-6F175D3DCCD1}">
-              <a14:hiddenFill xmlns:a14="http://schemas.microsoft.com/office/drawing/2010/main">
-                <a:solidFill>
-                  <a:srgbClr val="FFFFFF"/>
-                </a:solidFill>
-              </a14:hiddenFill>
-            </a:ext>
-          </a:extLst>
-        </p:spPr>
-      </p:pic>
       <p:cxnSp>
         <p:nvCxnSpPr>
           <p:cNvPr id="42" name="Straight Arrow Connector 41">
@@ -8417,53 +9401,6 @@
           </a:fontRef>
         </p:style>
       </p:cxnSp>
-      <p:pic>
-        <p:nvPicPr>
-          <p:cNvPr id="43" name="Picture 10">
-            <a:extLst>
-              <a:ext uri="{FF2B5EF4-FFF2-40B4-BE49-F238E27FC236}">
-                <a16:creationId xmlns:a16="http://schemas.microsoft.com/office/drawing/2014/main" id="{47DE3D9A-8387-57F5-3D3F-2068E80F7C13}"/>
-              </a:ext>
-            </a:extLst>
-          </p:cNvPr>
-          <p:cNvPicPr>
-            <a:picLocks noChangeAspect="1" noChangeArrowheads="1"/>
-          </p:cNvPicPr>
-          <p:nvPr/>
-        </p:nvPicPr>
-        <p:blipFill>
-          <a:blip r:embed="rId6">
-            <a:extLst>
-              <a:ext uri="{28A0092B-C50C-407E-A947-70E740481C1C}">
-                <a14:useLocalDpi xmlns:a14="http://schemas.microsoft.com/office/drawing/2010/main" val="0"/>
-              </a:ext>
-            </a:extLst>
-          </a:blip>
-          <a:srcRect/>
-          <a:stretch>
-            <a:fillRect/>
-          </a:stretch>
-        </p:blipFill>
-        <p:spPr bwMode="auto">
-          <a:xfrm>
-            <a:off x="8513823" y="3157057"/>
-            <a:ext cx="550053" cy="591654"/>
-          </a:xfrm>
-          <a:prstGeom prst="rect">
-            <a:avLst/>
-          </a:prstGeom>
-          <a:noFill/>
-          <a:extLst>
-            <a:ext uri="{909E8E84-426E-40DD-AFC4-6F175D3DCCD1}">
-              <a14:hiddenFill xmlns:a14="http://schemas.microsoft.com/office/drawing/2010/main">
-                <a:solidFill>
-                  <a:srgbClr val="FFFFFF"/>
-                </a:solidFill>
-              </a14:hiddenFill>
-            </a:ext>
-          </a:extLst>
-        </p:spPr>
-      </p:pic>
       <p:cxnSp>
         <p:nvCxnSpPr>
           <p:cNvPr id="44" name="Straight Connector 43">
@@ -8765,13 +9702,13 @@
           <p:nvPr/>
         </p:nvPicPr>
         <p:blipFill>
-          <a:blip r:embed="rId7">
+          <a:blip r:embed="rId6">
             <a:extLst>
               <a:ext uri="{28A0092B-C50C-407E-A947-70E740481C1C}">
                 <a14:useLocalDpi xmlns:a14="http://schemas.microsoft.com/office/drawing/2010/main" val="0"/>
               </a:ext>
               <a:ext uri="{96DAC541-7B7A-43D3-8B79-37D633B846F1}">
-                <asvg:svgBlip xmlns:asvg="http://schemas.microsoft.com/office/drawing/2016/SVG/main" r:embed="rId8"/>
+                <asvg:svgBlip xmlns:asvg="http://schemas.microsoft.com/office/drawing/2016/SVG/main" r:embed="rId7"/>
               </a:ext>
             </a:extLst>
           </a:blip>
@@ -8996,6 +9933,254 @@
             <a:r>
               <a:rPr lang="en-IN" dirty="0"/>
               <a:t>Authentication Successful</a:t>
+            </a:r>
+          </a:p>
+        </p:txBody>
+      </p:sp>
+      <p:pic>
+        <p:nvPicPr>
+          <p:cNvPr id="4" name="Picture 3">
+            <a:extLst>
+              <a:ext uri="{FF2B5EF4-FFF2-40B4-BE49-F238E27FC236}">
+                <a16:creationId xmlns:a16="http://schemas.microsoft.com/office/drawing/2014/main" id="{E2C20D41-D736-4225-C6F6-E722A90DEDD7}"/>
+              </a:ext>
+            </a:extLst>
+          </p:cNvPr>
+          <p:cNvPicPr>
+            <a:picLocks noChangeAspect="1"/>
+          </p:cNvPicPr>
+          <p:nvPr/>
+        </p:nvPicPr>
+        <p:blipFill>
+          <a:blip r:embed="rId8">
+            <a:clrChange>
+              <a:clrFrom>
+                <a:srgbClr val="F8F8F8"/>
+              </a:clrFrom>
+              <a:clrTo>
+                <a:srgbClr val="F8F8F8">
+                  <a:alpha val="0"/>
+                </a:srgbClr>
+              </a:clrTo>
+            </a:clrChange>
+            <a:extLst>
+              <a:ext uri="{28A0092B-C50C-407E-A947-70E740481C1C}">
+                <a14:useLocalDpi xmlns:a14="http://schemas.microsoft.com/office/drawing/2010/main" val="0"/>
+              </a:ext>
+            </a:extLst>
+          </a:blip>
+          <a:stretch>
+            <a:fillRect/>
+          </a:stretch>
+        </p:blipFill>
+        <p:spPr>
+          <a:xfrm>
+            <a:off x="3201313" y="246507"/>
+            <a:ext cx="815199" cy="815199"/>
+          </a:xfrm>
+          <a:prstGeom prst="rect">
+            <a:avLst/>
+          </a:prstGeom>
+        </p:spPr>
+      </p:pic>
+      <p:pic>
+        <p:nvPicPr>
+          <p:cNvPr id="7" name="Picture 6">
+            <a:extLst>
+              <a:ext uri="{FF2B5EF4-FFF2-40B4-BE49-F238E27FC236}">
+                <a16:creationId xmlns:a16="http://schemas.microsoft.com/office/drawing/2014/main" id="{B8BA6A4E-DAD4-9C64-7D29-3C8EE71C3D2B}"/>
+              </a:ext>
+            </a:extLst>
+          </p:cNvPr>
+          <p:cNvPicPr>
+            <a:picLocks noChangeAspect="1"/>
+          </p:cNvPicPr>
+          <p:nvPr/>
+        </p:nvPicPr>
+        <p:blipFill>
+          <a:blip r:embed="rId9"/>
+          <a:stretch>
+            <a:fillRect/>
+          </a:stretch>
+        </p:blipFill>
+        <p:spPr>
+          <a:xfrm>
+            <a:off x="1820523" y="2071814"/>
+            <a:ext cx="816935" cy="816935"/>
+          </a:xfrm>
+          <a:prstGeom prst="rect">
+            <a:avLst/>
+          </a:prstGeom>
+        </p:spPr>
+      </p:pic>
+      <p:pic>
+        <p:nvPicPr>
+          <p:cNvPr id="9" name="Picture 8">
+            <a:extLst>
+              <a:ext uri="{FF2B5EF4-FFF2-40B4-BE49-F238E27FC236}">
+                <a16:creationId xmlns:a16="http://schemas.microsoft.com/office/drawing/2014/main" id="{38CF236E-4D95-D151-7D51-FBA03D185B51}"/>
+              </a:ext>
+            </a:extLst>
+          </p:cNvPr>
+          <p:cNvPicPr>
+            <a:picLocks noChangeAspect="1"/>
+          </p:cNvPicPr>
+          <p:nvPr/>
+        </p:nvPicPr>
+        <p:blipFill>
+          <a:blip r:embed="rId9"/>
+          <a:stretch>
+            <a:fillRect/>
+          </a:stretch>
+        </p:blipFill>
+        <p:spPr>
+          <a:xfrm>
+            <a:off x="7302873" y="3379488"/>
+            <a:ext cx="816935" cy="816935"/>
+          </a:xfrm>
+          <a:prstGeom prst="rect">
+            <a:avLst/>
+          </a:prstGeom>
+        </p:spPr>
+      </p:pic>
+      <p:pic>
+        <p:nvPicPr>
+          <p:cNvPr id="5" name="Picture 4" descr="Icon&#10;&#10;Description automatically generated">
+            <a:extLst>
+              <a:ext uri="{FF2B5EF4-FFF2-40B4-BE49-F238E27FC236}">
+                <a16:creationId xmlns:a16="http://schemas.microsoft.com/office/drawing/2014/main" id="{8F04BFE2-B16B-764A-4C84-6910F27C99FE}"/>
+              </a:ext>
+            </a:extLst>
+          </p:cNvPr>
+          <p:cNvPicPr>
+            <a:picLocks noChangeAspect="1"/>
+          </p:cNvPicPr>
+          <p:nvPr/>
+        </p:nvPicPr>
+        <p:blipFill>
+          <a:blip r:embed="rId10">
+            <a:extLst>
+              <a:ext uri="{28A0092B-C50C-407E-A947-70E740481C1C}">
+                <a14:useLocalDpi xmlns:a14="http://schemas.microsoft.com/office/drawing/2010/main" val="0"/>
+              </a:ext>
+            </a:extLst>
+          </a:blip>
+          <a:stretch>
+            <a:fillRect/>
+          </a:stretch>
+        </p:blipFill>
+        <p:spPr>
+          <a:xfrm>
+            <a:off x="531202" y="4461381"/>
+            <a:ext cx="384927" cy="384927"/>
+          </a:xfrm>
+          <a:prstGeom prst="rect">
+            <a:avLst/>
+          </a:prstGeom>
+        </p:spPr>
+      </p:pic>
+      <p:pic>
+        <p:nvPicPr>
+          <p:cNvPr id="6" name="Picture 5" descr="Icon&#10;&#10;Description automatically generated">
+            <a:extLst>
+              <a:ext uri="{FF2B5EF4-FFF2-40B4-BE49-F238E27FC236}">
+                <a16:creationId xmlns:a16="http://schemas.microsoft.com/office/drawing/2014/main" id="{4DFBFD87-E787-D349-8FCD-EB9D1AABD661}"/>
+              </a:ext>
+            </a:extLst>
+          </p:cNvPr>
+          <p:cNvPicPr>
+            <a:picLocks noChangeAspect="1"/>
+          </p:cNvPicPr>
+          <p:nvPr/>
+        </p:nvPicPr>
+        <p:blipFill>
+          <a:blip r:embed="rId10">
+            <a:extLst>
+              <a:ext uri="{28A0092B-C50C-407E-A947-70E740481C1C}">
+                <a14:useLocalDpi xmlns:a14="http://schemas.microsoft.com/office/drawing/2010/main" val="0"/>
+              </a:ext>
+            </a:extLst>
+          </a:blip>
+          <a:stretch>
+            <a:fillRect/>
+          </a:stretch>
+        </p:blipFill>
+        <p:spPr>
+          <a:xfrm>
+            <a:off x="2869787" y="5984591"/>
+            <a:ext cx="384927" cy="384927"/>
+          </a:xfrm>
+          <a:prstGeom prst="rect">
+            <a:avLst/>
+          </a:prstGeom>
+        </p:spPr>
+      </p:pic>
+      <p:sp>
+        <p:nvSpPr>
+          <p:cNvPr id="10" name="TextBox 9">
+            <a:extLst>
+              <a:ext uri="{FF2B5EF4-FFF2-40B4-BE49-F238E27FC236}">
+                <a16:creationId xmlns:a16="http://schemas.microsoft.com/office/drawing/2014/main" id="{E6F44C98-5FB2-3348-C31C-A0D41C4D7EF9}"/>
+              </a:ext>
+            </a:extLst>
+          </p:cNvPr>
+          <p:cNvSpPr txBox="1"/>
+          <p:nvPr/>
+        </p:nvSpPr>
+        <p:spPr>
+          <a:xfrm>
+            <a:off x="3273512" y="6100546"/>
+            <a:ext cx="1400830" cy="261610"/>
+          </a:xfrm>
+          <a:prstGeom prst="rect">
+            <a:avLst/>
+          </a:prstGeom>
+          <a:noFill/>
+        </p:spPr>
+        <p:txBody>
+          <a:bodyPr wrap="square" rtlCol="0">
+            <a:spAutoFit/>
+          </a:bodyPr>
+          <a:lstStyle/>
+          <a:p>
+            <a:r>
+              <a:rPr lang="en-IN" sz="1100" dirty="0"/>
+              <a:t>Location capture</a:t>
+            </a:r>
+          </a:p>
+        </p:txBody>
+      </p:sp>
+      <p:sp>
+        <p:nvSpPr>
+          <p:cNvPr id="11" name="TextBox 10">
+            <a:extLst>
+              <a:ext uri="{FF2B5EF4-FFF2-40B4-BE49-F238E27FC236}">
+                <a16:creationId xmlns:a16="http://schemas.microsoft.com/office/drawing/2014/main" id="{9BE68ABB-2CF1-BC11-07D8-5772728F2432}"/>
+              </a:ext>
+            </a:extLst>
+          </p:cNvPr>
+          <p:cNvSpPr txBox="1"/>
+          <p:nvPr/>
+        </p:nvSpPr>
+        <p:spPr>
+          <a:xfrm rot="16200000">
+            <a:off x="3455" y="3645295"/>
+            <a:ext cx="1400830" cy="261610"/>
+          </a:xfrm>
+          <a:prstGeom prst="rect">
+            <a:avLst/>
+          </a:prstGeom>
+          <a:noFill/>
+        </p:spPr>
+        <p:txBody>
+          <a:bodyPr wrap="square" rtlCol="0">
+            <a:spAutoFit/>
+          </a:bodyPr>
+          <a:lstStyle/>
+          <a:p>
+            <a:r>
+              <a:rPr lang="en-IN" sz="1100" dirty="0"/>
+              <a:t>Location capture</a:t>
             </a:r>
           </a:p>
         </p:txBody>
@@ -9035,7 +10220,7 @@
           <p:cNvPr id="2" name="Title 4">
             <a:extLst>
               <a:ext uri="{FF2B5EF4-FFF2-40B4-BE49-F238E27FC236}">
-                <a16:creationId xmlns:a16="http://schemas.microsoft.com/office/drawing/2014/main" id="{A2124D48-8F80-AF44-89BB-B1B112BF4985}"/>
+                <a16:creationId xmlns:a16="http://schemas.microsoft.com/office/drawing/2014/main" id="{76ACE7BD-62A9-6A98-9332-A59CC149CCEE}"/>
               </a:ext>
             </a:extLst>
           </p:cNvPr>
@@ -9046,7 +10231,7 @@
         </p:nvSpPr>
         <p:spPr>
           <a:xfrm>
-            <a:off x="3105406" y="2764310"/>
+            <a:off x="2424287" y="376218"/>
             <a:ext cx="6721988" cy="963073"/>
           </a:xfrm>
           <a:prstGeom prst="rect">
@@ -9082,17 +10267,114 @@
             </a:lvl1pPr>
           </a:lstStyle>
           <a:p>
+            <a:pPr algn="ctr"/>
             <a:r>
               <a:rPr lang="en-IN" dirty="0"/>
-              <a:t>Database Architecture</a:t>
-            </a:r>
-          </a:p>
-        </p:txBody>
-      </p:sp>
+              <a:t>Database architecture</a:t>
+            </a:r>
+          </a:p>
+        </p:txBody>
+      </p:sp>
+      <p:pic>
+        <p:nvPicPr>
+          <p:cNvPr id="4" name="Picture 3">
+            <a:extLst>
+              <a:ext uri="{FF2B5EF4-FFF2-40B4-BE49-F238E27FC236}">
+                <a16:creationId xmlns:a16="http://schemas.microsoft.com/office/drawing/2014/main" id="{DD1212A3-6B02-1F8E-48FC-418F1DC505F4}"/>
+              </a:ext>
+            </a:extLst>
+          </p:cNvPr>
+          <p:cNvPicPr>
+            <a:picLocks noChangeAspect="1"/>
+          </p:cNvPicPr>
+          <p:nvPr/>
+        </p:nvPicPr>
+        <p:blipFill>
+          <a:blip r:embed="rId3">
+            <a:extLst>
+              <a:ext uri="{28A0092B-C50C-407E-A947-70E740481C1C}">
+                <a14:useLocalDpi xmlns:a14="http://schemas.microsoft.com/office/drawing/2010/main" val="0"/>
+              </a:ext>
+            </a:extLst>
+          </a:blip>
+          <a:stretch>
+            <a:fillRect/>
+          </a:stretch>
+        </p:blipFill>
+        <p:spPr>
+          <a:xfrm>
+            <a:off x="1419225" y="1196975"/>
+            <a:ext cx="9353550" cy="4464050"/>
+          </a:xfrm>
+          <a:prstGeom prst="rect">
+            <a:avLst/>
+          </a:prstGeom>
+        </p:spPr>
+      </p:pic>
+      <p:pic>
+        <p:nvPicPr>
+          <p:cNvPr id="8" name="Picture 7">
+            <a:extLst>
+              <a:ext uri="{FF2B5EF4-FFF2-40B4-BE49-F238E27FC236}">
+                <a16:creationId xmlns:a16="http://schemas.microsoft.com/office/drawing/2014/main" id="{FAEF9306-FDC1-62A8-3F64-6DDDC15927B3}"/>
+              </a:ext>
+            </a:extLst>
+          </p:cNvPr>
+          <p:cNvPicPr>
+            <a:picLocks noChangeAspect="1"/>
+          </p:cNvPicPr>
+          <p:nvPr/>
+        </p:nvPicPr>
+        <p:blipFill>
+          <a:blip r:embed="rId4"/>
+          <a:stretch>
+            <a:fillRect/>
+          </a:stretch>
+        </p:blipFill>
+        <p:spPr>
+          <a:xfrm>
+            <a:off x="8182466" y="1939972"/>
+            <a:ext cx="273377" cy="440152"/>
+          </a:xfrm>
+          <a:prstGeom prst="rect">
+            <a:avLst/>
+          </a:prstGeom>
+        </p:spPr>
+      </p:pic>
+      <p:pic>
+        <p:nvPicPr>
+          <p:cNvPr id="11" name="Picture 10">
+            <a:extLst>
+              <a:ext uri="{FF2B5EF4-FFF2-40B4-BE49-F238E27FC236}">
+                <a16:creationId xmlns:a16="http://schemas.microsoft.com/office/drawing/2014/main" id="{3A2508EC-2422-92A0-D3EA-5BDBD5C8AE1B}"/>
+              </a:ext>
+            </a:extLst>
+          </p:cNvPr>
+          <p:cNvPicPr>
+            <a:picLocks noChangeAspect="1"/>
+          </p:cNvPicPr>
+          <p:nvPr/>
+        </p:nvPicPr>
+        <p:blipFill>
+          <a:blip r:embed="rId4"/>
+          <a:stretch>
+            <a:fillRect/>
+          </a:stretch>
+        </p:blipFill>
+        <p:spPr>
+          <a:xfrm>
+            <a:off x="4836790" y="3091992"/>
+            <a:ext cx="444523" cy="309736"/>
+          </a:xfrm>
+          <a:prstGeom prst="rect">
+            <a:avLst/>
+          </a:prstGeom>
+        </p:spPr>
+      </p:pic>
     </p:spTree>
     <p:extLst>
       <p:ext uri="{BB962C8B-B14F-4D97-AF65-F5344CB8AC3E}">
-        <p14:creationId xmlns:p14="http://schemas.microsoft.com/office/powerpoint/2010/main" val="244990920"/>
+        <p14:creationId xmlns:p14="http://schemas.microsoft.com/office/powerpoint/2010/main" val="2404858806"/>
       </p:ext>
     </p:extLst>
   </p:cSld>
